--- a/lectures/02_linear_regression_gradient_np/compute_gradient.pptx
+++ b/lectures/02_linear_regression_gradient_np/compute_gradient.pptx
@@ -156,7 +156,7 @@
   <pc:docChgLst>
     <pc:chgData name="Weifeng Xu" userId="e7aed605-a3dd-4d5a-a692-a87037af107b" providerId="ADAL" clId="{781DD69C-B3C3-4AA3-A094-E5C237C15CAE}"/>
     <pc:docChg chg="undo custSel addSld delSld modSld sldOrd">
-      <pc:chgData name="Weifeng Xu" userId="e7aed605-a3dd-4d5a-a692-a87037af107b" providerId="ADAL" clId="{781DD69C-B3C3-4AA3-A094-E5C237C15CAE}" dt="2025-04-28T14:42:25.022" v="2686" actId="313"/>
+      <pc:chgData name="Weifeng Xu" userId="e7aed605-a3dd-4d5a-a692-a87037af107b" providerId="ADAL" clId="{781DD69C-B3C3-4AA3-A094-E5C237C15CAE}" dt="2025-05-20T02:27:13.615" v="2687" actId="1076"/>
       <pc:docMkLst>
         <pc:docMk/>
       </pc:docMkLst>
@@ -301,14 +301,6 @@
             <ac:grpSpMk id="15" creationId="{649C1795-0C3C-9083-80F7-79C4E4FF6AD0}"/>
           </ac:grpSpMkLst>
         </pc:grpChg>
-        <pc:inkChg chg="add del">
-          <ac:chgData name="Weifeng Xu" userId="e7aed605-a3dd-4d5a-a692-a87037af107b" providerId="ADAL" clId="{781DD69C-B3C3-4AA3-A094-E5C237C15CAE}" dt="2025-04-27T14:56:39.746" v="2355" actId="478"/>
-          <ac:inkMkLst>
-            <pc:docMk/>
-            <pc:sldMk cId="3523214092" sldId="265"/>
-            <ac:inkMk id="2" creationId="{437C8384-1B8B-8263-71B6-FDB279D86790}"/>
-          </ac:inkMkLst>
-        </pc:inkChg>
         <pc:inkChg chg="add">
           <ac:chgData name="Weifeng Xu" userId="e7aed605-a3dd-4d5a-a692-a87037af107b" providerId="ADAL" clId="{781DD69C-B3C3-4AA3-A094-E5C237C15CAE}" dt="2025-04-27T14:56:25.580" v="2354" actId="9405"/>
           <ac:inkMkLst>
@@ -574,14 +566,6 @@
             <ac:spMk id="15" creationId="{25F3A610-9443-6BA0-0A48-141A55AB76B9}"/>
           </ac:spMkLst>
         </pc:spChg>
-        <pc:picChg chg="del">
-          <ac:chgData name="Weifeng Xu" userId="e7aed605-a3dd-4d5a-a692-a87037af107b" providerId="ADAL" clId="{781DD69C-B3C3-4AA3-A094-E5C237C15CAE}" dt="2025-04-27T14:45:05.287" v="2222" actId="478"/>
-          <ac:picMkLst>
-            <pc:docMk/>
-            <pc:sldMk cId="2238745649" sldId="272"/>
-            <ac:picMk id="3" creationId="{E5251F50-CECF-8FC0-660D-FE65D705E396}"/>
-          </ac:picMkLst>
-        </pc:picChg>
         <pc:picChg chg="add mod">
           <ac:chgData name="Weifeng Xu" userId="e7aed605-a3dd-4d5a-a692-a87037af107b" providerId="ADAL" clId="{781DD69C-B3C3-4AA3-A094-E5C237C15CAE}" dt="2025-04-27T14:45:55.348" v="2243" actId="1076"/>
           <ac:picMkLst>
@@ -604,14 +588,6 @@
             <pc:docMk/>
             <pc:sldMk cId="2238745649" sldId="272"/>
             <ac:picMk id="9" creationId="{A4B36464-3033-A882-98D9-1CC91F4C257F}"/>
-          </ac:picMkLst>
-        </pc:picChg>
-        <pc:picChg chg="add del">
-          <ac:chgData name="Weifeng Xu" userId="e7aed605-a3dd-4d5a-a692-a87037af107b" providerId="ADAL" clId="{781DD69C-B3C3-4AA3-A094-E5C237C15CAE}" dt="2025-04-27T14:46:23.165" v="2249" actId="22"/>
-          <ac:picMkLst>
-            <pc:docMk/>
-            <pc:sldMk cId="2238745649" sldId="272"/>
-            <ac:picMk id="12" creationId="{9193187D-F5D3-8C77-81F4-9E1904A6C6CD}"/>
           </ac:picMkLst>
         </pc:picChg>
       </pc:sldChg>
@@ -708,7 +684,7 @@
         </pc:spChg>
       </pc:sldChg>
       <pc:sldChg chg="addSp delSp modSp new mod modClrScheme chgLayout">
-        <pc:chgData name="Weifeng Xu" userId="e7aed605-a3dd-4d5a-a692-a87037af107b" providerId="ADAL" clId="{781DD69C-B3C3-4AA3-A094-E5C237C15CAE}" dt="2025-04-28T14:39:04.184" v="2648" actId="20577"/>
+        <pc:chgData name="Weifeng Xu" userId="e7aed605-a3dd-4d5a-a692-a87037af107b" providerId="ADAL" clId="{781DD69C-B3C3-4AA3-A094-E5C237C15CAE}" dt="2025-05-20T02:27:13.615" v="2687" actId="1076"/>
         <pc:sldMkLst>
           <pc:docMk/>
           <pc:sldMk cId="4115225872" sldId="277"/>
@@ -730,7 +706,7 @@
           </ac:spMkLst>
         </pc:spChg>
         <pc:picChg chg="add mod">
-          <ac:chgData name="Weifeng Xu" userId="e7aed605-a3dd-4d5a-a692-a87037af107b" providerId="ADAL" clId="{781DD69C-B3C3-4AA3-A094-E5C237C15CAE}" dt="2025-04-26T16:39:32.065" v="1146" actId="14100"/>
+          <ac:chgData name="Weifeng Xu" userId="e7aed605-a3dd-4d5a-a692-a87037af107b" providerId="ADAL" clId="{781DD69C-B3C3-4AA3-A094-E5C237C15CAE}" dt="2025-05-20T02:27:13.615" v="2687" actId="1076"/>
           <ac:picMkLst>
             <pc:docMk/>
             <pc:sldMk cId="4115225872" sldId="277"/>
@@ -1027,14 +1003,6 @@
           <pc:docMk/>
           <pc:sldMk cId="2029838797" sldId="283"/>
         </pc:sldMkLst>
-        <pc:spChg chg="del">
-          <ac:chgData name="Weifeng Xu" userId="e7aed605-a3dd-4d5a-a692-a87037af107b" providerId="ADAL" clId="{781DD69C-B3C3-4AA3-A094-E5C237C15CAE}" dt="2025-04-27T01:51:55.042" v="2050" actId="700"/>
-          <ac:spMkLst>
-            <pc:docMk/>
-            <pc:sldMk cId="2029838797" sldId="283"/>
-            <ac:spMk id="2" creationId="{F98999DE-3D49-0D72-D85F-FE094E846F54}"/>
-          </ac:spMkLst>
-        </pc:spChg>
         <pc:spChg chg="add mod">
           <ac:chgData name="Weifeng Xu" userId="e7aed605-a3dd-4d5a-a692-a87037af107b" providerId="ADAL" clId="{781DD69C-B3C3-4AA3-A094-E5C237C15CAE}" dt="2025-04-27T01:55:26.871" v="2075" actId="1076"/>
           <ac:spMkLst>
@@ -1043,14 +1011,6 @@
             <ac:spMk id="9" creationId="{80087D34-C5AF-6F0F-D493-9EABB249347A}"/>
           </ac:spMkLst>
         </pc:spChg>
-        <pc:picChg chg="add del mod modCrop">
-          <ac:chgData name="Weifeng Xu" userId="e7aed605-a3dd-4d5a-a692-a87037af107b" providerId="ADAL" clId="{781DD69C-B3C3-4AA3-A094-E5C237C15CAE}" dt="2025-04-27T01:54:16.238" v="2067" actId="478"/>
-          <ac:picMkLst>
-            <pc:docMk/>
-            <pc:sldMk cId="2029838797" sldId="283"/>
-            <ac:picMk id="4" creationId="{9FB32E44-1535-EF80-97B5-7A23A8F77696}"/>
-          </ac:picMkLst>
-        </pc:picChg>
         <pc:picChg chg="add mod">
           <ac:chgData name="Weifeng Xu" userId="e7aed605-a3dd-4d5a-a692-a87037af107b" providerId="ADAL" clId="{781DD69C-B3C3-4AA3-A094-E5C237C15CAE}" dt="2025-04-27T01:54:10.802" v="2065" actId="1076"/>
           <ac:picMkLst>
@@ -1074,14 +1034,6 @@
           <pc:docMk/>
           <pc:sldMk cId="2594740768" sldId="284"/>
         </pc:sldMkLst>
-        <pc:spChg chg="del mod ord">
-          <ac:chgData name="Weifeng Xu" userId="e7aed605-a3dd-4d5a-a692-a87037af107b" providerId="ADAL" clId="{781DD69C-B3C3-4AA3-A094-E5C237C15CAE}" dt="2025-04-27T02:19:03.387" v="2192" actId="700"/>
-          <ac:spMkLst>
-            <pc:docMk/>
-            <pc:sldMk cId="2594740768" sldId="284"/>
-            <ac:spMk id="2" creationId="{A11971AD-163E-BFF1-CC48-355BA3E25003}"/>
-          </ac:spMkLst>
-        </pc:spChg>
         <pc:spChg chg="add mod ord">
           <ac:chgData name="Weifeng Xu" userId="e7aed605-a3dd-4d5a-a692-a87037af107b" providerId="ADAL" clId="{781DD69C-B3C3-4AA3-A094-E5C237C15CAE}" dt="2025-04-28T14:28:54.379" v="2426" actId="20577"/>
           <ac:spMkLst>
@@ -1105,14 +1057,6 @@
           <pc:docMk/>
           <pc:sldMk cId="1737937133" sldId="285"/>
         </pc:sldMkLst>
-        <pc:spChg chg="del mod ord">
-          <ac:chgData name="Weifeng Xu" userId="e7aed605-a3dd-4d5a-a692-a87037af107b" providerId="ADAL" clId="{781DD69C-B3C3-4AA3-A094-E5C237C15CAE}" dt="2025-04-27T15:18:08.696" v="2403" actId="700"/>
-          <ac:spMkLst>
-            <pc:docMk/>
-            <pc:sldMk cId="1737937133" sldId="285"/>
-            <ac:spMk id="2" creationId="{E0936769-2410-F877-4083-A98D843CD1F5}"/>
-          </ac:spMkLst>
-        </pc:spChg>
         <pc:spChg chg="add mod ord">
           <ac:chgData name="Weifeng Xu" userId="e7aed605-a3dd-4d5a-a692-a87037af107b" providerId="ADAL" clId="{781DD69C-B3C3-4AA3-A094-E5C237C15CAE}" dt="2025-04-27T15:21:24.795" v="2423" actId="20577"/>
           <ac:spMkLst>
@@ -1136,22 +1080,6 @@
           <pc:docMk/>
           <pc:sldMk cId="3281955916" sldId="286"/>
         </pc:sldMkLst>
-        <pc:spChg chg="del mod ord">
-          <ac:chgData name="Weifeng Xu" userId="e7aed605-a3dd-4d5a-a692-a87037af107b" providerId="ADAL" clId="{781DD69C-B3C3-4AA3-A094-E5C237C15CAE}" dt="2025-04-28T14:29:30.115" v="2432" actId="700"/>
-          <ac:spMkLst>
-            <pc:docMk/>
-            <pc:sldMk cId="3281955916" sldId="286"/>
-            <ac:spMk id="2" creationId="{D6D59535-9854-3B9D-AC9E-7F50D216D521}"/>
-          </ac:spMkLst>
-        </pc:spChg>
-        <pc:spChg chg="del mod ord">
-          <ac:chgData name="Weifeng Xu" userId="e7aed605-a3dd-4d5a-a692-a87037af107b" providerId="ADAL" clId="{781DD69C-B3C3-4AA3-A094-E5C237C15CAE}" dt="2025-04-28T14:29:30.115" v="2432" actId="700"/>
-          <ac:spMkLst>
-            <pc:docMk/>
-            <pc:sldMk cId="3281955916" sldId="286"/>
-            <ac:spMk id="3" creationId="{7444F5CC-86F2-4CC8-EA0D-870431BFF57A}"/>
-          </ac:spMkLst>
-        </pc:spChg>
         <pc:spChg chg="add mod ord">
           <ac:chgData name="Weifeng Xu" userId="e7aed605-a3dd-4d5a-a692-a87037af107b" providerId="ADAL" clId="{781DD69C-B3C3-4AA3-A094-E5C237C15CAE}" dt="2025-04-28T14:29:32.322" v="2433"/>
           <ac:spMkLst>
@@ -2683,7 +2611,7 @@
           <a:p>
             <a:fld id="{2A59A54D-A59E-4D85-AEC9-D5AFF867AB55}" type="datetimeFigureOut">
               <a:rPr lang="en-US" smtClean="0"/>
-              <a:t>4/28/2025</a:t>
+              <a:t>5/19/2025</a:t>
             </a:fld>
             <a:endParaRPr lang="en-US"/>
           </a:p>
@@ -3166,7 +3094,7 @@
           <a:p>
             <a:fld id="{4263717A-E3C1-4BED-ABE0-B7069385E023}" type="datetimeFigureOut">
               <a:rPr lang="en-US" smtClean="0"/>
-              <a:t>4/28/2025</a:t>
+              <a:t>5/19/2025</a:t>
             </a:fld>
             <a:endParaRPr lang="en-US"/>
           </a:p>
@@ -3339,7 +3267,7 @@
           <a:p>
             <a:fld id="{4263717A-E3C1-4BED-ABE0-B7069385E023}" type="datetimeFigureOut">
               <a:rPr lang="en-US" smtClean="0"/>
-              <a:t>4/28/2025</a:t>
+              <a:t>5/19/2025</a:t>
             </a:fld>
             <a:endParaRPr lang="en-US"/>
           </a:p>
@@ -3517,7 +3445,7 @@
           <a:p>
             <a:fld id="{4263717A-E3C1-4BED-ABE0-B7069385E023}" type="datetimeFigureOut">
               <a:rPr lang="en-US" smtClean="0"/>
-              <a:t>4/28/2025</a:t>
+              <a:t>5/19/2025</a:t>
             </a:fld>
             <a:endParaRPr lang="en-US"/>
           </a:p>
@@ -3685,7 +3613,7 @@
           <a:p>
             <a:fld id="{4263717A-E3C1-4BED-ABE0-B7069385E023}" type="datetimeFigureOut">
               <a:rPr lang="en-US" smtClean="0"/>
-              <a:t>4/28/2025</a:t>
+              <a:t>5/19/2025</a:t>
             </a:fld>
             <a:endParaRPr lang="en-US"/>
           </a:p>
@@ -3930,7 +3858,7 @@
           <a:p>
             <a:fld id="{4263717A-E3C1-4BED-ABE0-B7069385E023}" type="datetimeFigureOut">
               <a:rPr lang="en-US" smtClean="0"/>
-              <a:t>4/28/2025</a:t>
+              <a:t>5/19/2025</a:t>
             </a:fld>
             <a:endParaRPr lang="en-US"/>
           </a:p>
@@ -4159,7 +4087,7 @@
           <a:p>
             <a:fld id="{4263717A-E3C1-4BED-ABE0-B7069385E023}" type="datetimeFigureOut">
               <a:rPr lang="en-US" smtClean="0"/>
-              <a:t>4/28/2025</a:t>
+              <a:t>5/19/2025</a:t>
             </a:fld>
             <a:endParaRPr lang="en-US"/>
           </a:p>
@@ -4523,7 +4451,7 @@
           <a:p>
             <a:fld id="{4263717A-E3C1-4BED-ABE0-B7069385E023}" type="datetimeFigureOut">
               <a:rPr lang="en-US" smtClean="0"/>
-              <a:t>4/28/2025</a:t>
+              <a:t>5/19/2025</a:t>
             </a:fld>
             <a:endParaRPr lang="en-US"/>
           </a:p>
@@ -4640,7 +4568,7 @@
           <a:p>
             <a:fld id="{4263717A-E3C1-4BED-ABE0-B7069385E023}" type="datetimeFigureOut">
               <a:rPr lang="en-US" smtClean="0"/>
-              <a:t>4/28/2025</a:t>
+              <a:t>5/19/2025</a:t>
             </a:fld>
             <a:endParaRPr lang="en-US"/>
           </a:p>
@@ -4735,7 +4663,7 @@
           <a:p>
             <a:fld id="{4263717A-E3C1-4BED-ABE0-B7069385E023}" type="datetimeFigureOut">
               <a:rPr lang="en-US" smtClean="0"/>
-              <a:t>4/28/2025</a:t>
+              <a:t>5/19/2025</a:t>
             </a:fld>
             <a:endParaRPr lang="en-US"/>
           </a:p>
@@ -5010,7 +4938,7 @@
           <a:p>
             <a:fld id="{4263717A-E3C1-4BED-ABE0-B7069385E023}" type="datetimeFigureOut">
               <a:rPr lang="en-US" smtClean="0"/>
-              <a:t>4/28/2025</a:t>
+              <a:t>5/19/2025</a:t>
             </a:fld>
             <a:endParaRPr lang="en-US"/>
           </a:p>
@@ -5262,7 +5190,7 @@
           <a:p>
             <a:fld id="{4263717A-E3C1-4BED-ABE0-B7069385E023}" type="datetimeFigureOut">
               <a:rPr lang="en-US" smtClean="0"/>
-              <a:t>4/28/2025</a:t>
+              <a:t>5/19/2025</a:t>
             </a:fld>
             <a:endParaRPr lang="en-US"/>
           </a:p>
@@ -5481,7 +5409,7 @@
           <a:p>
             <a:fld id="{4263717A-E3C1-4BED-ABE0-B7069385E023}" type="datetimeFigureOut">
               <a:rPr lang="en-US" smtClean="0"/>
-              <a:t>4/28/2025</a:t>
+              <a:t>5/19/2025</a:t>
             </a:fld>
             <a:endParaRPr lang="en-US"/>
           </a:p>
@@ -6240,7 +6168,7 @@
         </p:blipFill>
         <p:spPr>
           <a:xfrm>
-            <a:off x="7916550" y="4177710"/>
+            <a:off x="7885553" y="4309446"/>
             <a:ext cx="3220646" cy="862826"/>
           </a:xfrm>
           <a:prstGeom prst="rect">
